--- a/downloads/PPP_NADI.pptx
+++ b/downloads/PPP_NADI.pptx
@@ -8938,9 +8938,766 @@
           </a:p>
         </p:txBody>
       </p:sp>
+      <p:sp>
+        <p:nvSpPr>
+          <p:cNvPr id="5" name="Text 1"/>
+          <p:cNvSpPr/>
+          <p:nvPr/>
+        </p:nvSpPr>
+        <p:spPr>
+          <a:xfrm>
+            <a:off x="3929063" y="1441893"/>
+            <a:ext cx="4786313" cy="822871"/>
+          </a:xfrm>
+          <a:prstGeom prst="rect">
+            <a:avLst/>
+          </a:prstGeom>
+          <a:noFill/>
+          <a:ln/>
+        </p:spPr>
+        <p:txBody>
+          <a:bodyPr wrap="square" lIns="0" tIns="0" rIns="0" bIns="0" rtlCol="0" anchor="t">
+            <a:spAutoFit/>
+          </a:bodyPr>
+          <a:lstStyle/>
+          <a:p>
+            <a:pPr marL="0" indent="0" algn="l">
+              <a:lnSpc>
+                <a:spcPts val="1600"/>
+              </a:lnSpc>
+              <a:buNone/>
+            </a:pPr>
+            <a:r>
+              <a:rPr lang="en-US" sz="1193" b="1" dirty="0">
+                <a:solidFill>
+                  <a:srgbClr val="333333"/>
+                </a:solidFill>
+              </a:rPr>
+              <a:t>The IKIGAI framework provides the blueprint for a sustainable and high-impact career, aligning personal drive with the critical needs of the cybersecurity landscape.</a:t>
+            </a:r>
+            <a:endParaRPr lang="en-US" sz="1193" dirty="0"/>
+          </a:p>
+        </p:txBody>
+      </p:sp>
+      <p:sp>
+        <p:nvSpPr>
+          <p:cNvPr id="6" name="Shape 2"/>
+          <p:cNvSpPr/>
+          <p:nvPr/>
+        </p:nvSpPr>
+        <p:spPr>
+          <a:xfrm>
+            <a:off x="3939778" y="2489792"/>
+            <a:ext cx="1307306" cy="328613"/>
+          </a:xfrm>
+          <a:prstGeom prst="rect">
+            <a:avLst/>
+          </a:prstGeom>
+          <a:solidFill>
+            <a:srgbClr val="F0F0F0"/>
+          </a:solidFill>
+          <a:ln/>
+        </p:spPr>
+      </p:sp>
+      <p:sp>
+        <p:nvSpPr>
+          <p:cNvPr id="7" name="Shape 3"/>
+          <p:cNvSpPr/>
+          <p:nvPr/>
+        </p:nvSpPr>
+        <p:spPr>
+          <a:xfrm>
+            <a:off x="5225653" y="2489792"/>
+            <a:ext cx="21431" cy="328613"/>
+          </a:xfrm>
+          <a:prstGeom prst="rect">
+            <a:avLst/>
+          </a:prstGeom>
+          <a:solidFill>
+            <a:srgbClr val="000000"/>
+          </a:solidFill>
+          <a:ln/>
+        </p:spPr>
+      </p:sp>
+      <p:sp>
+        <p:nvSpPr>
+          <p:cNvPr id="8" name="Text 4"/>
+          <p:cNvSpPr/>
+          <p:nvPr/>
+        </p:nvSpPr>
+        <p:spPr>
+          <a:xfrm>
+            <a:off x="3939778" y="2489792"/>
+            <a:ext cx="1307306" cy="328613"/>
+          </a:xfrm>
+          <a:prstGeom prst="rect">
+            <a:avLst/>
+          </a:prstGeom>
+          <a:noFill/>
+          <a:ln/>
+        </p:spPr>
+        <p:txBody>
+          <a:bodyPr wrap="square" lIns="127508" tIns="85090" rIns="127508" bIns="85090" rtlCol="0" anchor="ctr">
+            <a:spAutoFit/>
+          </a:bodyPr>
+          <a:lstStyle/>
+          <a:p>
+            <a:pPr marL="0" indent="0" algn="l">
+              <a:lnSpc>
+                <a:spcPts val="1200"/>
+              </a:lnSpc>
+              <a:buNone/>
+            </a:pPr>
+            <a:r>
+              <a:rPr lang="en-US" sz="885" b="1" dirty="0">
+                <a:solidFill>
+                  <a:srgbClr val="000000"/>
+                </a:solidFill>
+              </a:rPr>
+              <a:t>Dimension</a:t>
+            </a:r>
+            <a:endParaRPr lang="en-US" sz="885" dirty="0"/>
+          </a:p>
+        </p:txBody>
+      </p:sp>
+      <p:sp>
+        <p:nvSpPr>
+          <p:cNvPr id="9" name="Shape 5"/>
+          <p:cNvSpPr/>
+          <p:nvPr/>
+        </p:nvSpPr>
+        <p:spPr>
+          <a:xfrm>
+            <a:off x="5247084" y="2489792"/>
+            <a:ext cx="3457575" cy="328613"/>
+          </a:xfrm>
+          <a:prstGeom prst="rect">
+            <a:avLst/>
+          </a:prstGeom>
+          <a:solidFill>
+            <a:srgbClr val="00CCFF"/>
+          </a:solidFill>
+          <a:ln/>
+        </p:spPr>
+      </p:sp>
+      <p:sp>
+        <p:nvSpPr>
+          <p:cNvPr id="10" name="Shape 6"/>
+          <p:cNvSpPr/>
+          <p:nvPr/>
+        </p:nvSpPr>
+        <p:spPr>
+          <a:xfrm>
+            <a:off x="8683228" y="2489792"/>
+            <a:ext cx="21431" cy="328613"/>
+          </a:xfrm>
+          <a:prstGeom prst="rect">
+            <a:avLst/>
+          </a:prstGeom>
+          <a:solidFill>
+            <a:srgbClr val="000000"/>
+          </a:solidFill>
+          <a:ln/>
+        </p:spPr>
+      </p:sp>
+      <p:sp>
+        <p:nvSpPr>
+          <p:cNvPr id="11" name="Text 7"/>
+          <p:cNvSpPr/>
+          <p:nvPr/>
+        </p:nvSpPr>
+        <p:spPr>
+          <a:xfrm>
+            <a:off x="5247084" y="2489792"/>
+            <a:ext cx="3457575" cy="328613"/>
+          </a:xfrm>
+          <a:prstGeom prst="rect">
+            <a:avLst/>
+          </a:prstGeom>
+          <a:noFill/>
+          <a:ln/>
+        </p:spPr>
+        <p:txBody>
+          <a:bodyPr wrap="square" lIns="127508" tIns="85090" rIns="127508" bIns="85090" rtlCol="0" anchor="ctr">
+            <a:spAutoFit/>
+          </a:bodyPr>
+          <a:lstStyle/>
+          <a:p>
+            <a:pPr marL="0" indent="0" algn="l">
+              <a:lnSpc>
+                <a:spcPts val="1200"/>
+              </a:lnSpc>
+              <a:buNone/>
+            </a:pPr>
+            <a:r>
+              <a:rPr lang="en-US" sz="885" b="1" dirty="0">
+                <a:solidFill>
+                  <a:srgbClr val="000000"/>
+                </a:solidFill>
+              </a:rPr>
+              <a:t>Professional Alignment</a:t>
+            </a:r>
+            <a:endParaRPr lang="en-US" sz="885" dirty="0"/>
+          </a:p>
+        </p:txBody>
+      </p:sp>
+      <p:sp>
+        <p:nvSpPr>
+          <p:cNvPr id="12" name="Shape 8"/>
+          <p:cNvSpPr/>
+          <p:nvPr/>
+        </p:nvSpPr>
+        <p:spPr>
+          <a:xfrm>
+            <a:off x="3939778" y="2818405"/>
+            <a:ext cx="1307306" cy="526461"/>
+          </a:xfrm>
+          <a:prstGeom prst="rect">
+            <a:avLst/>
+          </a:prstGeom>
+          <a:solidFill>
+            <a:srgbClr val="F0F0F0"/>
+          </a:solidFill>
+          <a:ln/>
+        </p:spPr>
+      </p:sp>
+      <p:sp>
+        <p:nvSpPr>
+          <p:cNvPr id="13" name="Shape 9"/>
+          <p:cNvSpPr/>
+          <p:nvPr/>
+        </p:nvSpPr>
+        <p:spPr>
+          <a:xfrm>
+            <a:off x="5225653" y="2818405"/>
+            <a:ext cx="21431" cy="526461"/>
+          </a:xfrm>
+          <a:prstGeom prst="rect">
+            <a:avLst/>
+          </a:prstGeom>
+          <a:solidFill>
+            <a:srgbClr val="000000"/>
+          </a:solidFill>
+          <a:ln/>
+        </p:spPr>
+      </p:sp>
+      <p:sp>
+        <p:nvSpPr>
+          <p:cNvPr id="14" name="Shape 10"/>
+          <p:cNvSpPr/>
+          <p:nvPr/>
+        </p:nvSpPr>
+        <p:spPr>
+          <a:xfrm>
+            <a:off x="3939778" y="3337722"/>
+            <a:ext cx="1307306" cy="7144"/>
+          </a:xfrm>
+          <a:prstGeom prst="rect">
+            <a:avLst/>
+          </a:prstGeom>
+          <a:solidFill>
+            <a:srgbClr val="CCCCCC"/>
+          </a:solidFill>
+          <a:ln/>
+        </p:spPr>
+      </p:sp>
+      <p:sp>
+        <p:nvSpPr>
+          <p:cNvPr id="15" name="Text 11"/>
+          <p:cNvSpPr/>
+          <p:nvPr/>
+        </p:nvSpPr>
+        <p:spPr>
+          <a:xfrm>
+            <a:off x="3939778" y="2818405"/>
+            <a:ext cx="1307306" cy="526461"/>
+          </a:xfrm>
+          <a:prstGeom prst="rect">
+            <a:avLst/>
+          </a:prstGeom>
+          <a:noFill/>
+          <a:ln/>
+        </p:spPr>
+        <p:txBody>
+          <a:bodyPr wrap="square" lIns="127508" tIns="127508" rIns="127508" bIns="127508" rtlCol="0" anchor="t">
+            <a:spAutoFit/>
+          </a:bodyPr>
+          <a:lstStyle/>
+          <a:p>
+            <a:pPr marL="0" indent="0" algn="l">
+              <a:lnSpc>
+                <a:spcPts val="1200"/>
+              </a:lnSpc>
+              <a:buNone/>
+            </a:pPr>
+            <a:r>
+              <a:rPr lang="en-US" sz="885" b="1" dirty="0">
+                <a:solidFill>
+                  <a:srgbClr val="000000"/>
+                </a:solidFill>
+              </a:rPr>
+              <a:t>Passion</a:t>
+            </a:r>
+            <a:endParaRPr lang="en-US" sz="885" dirty="0"/>
+          </a:p>
+        </p:txBody>
+      </p:sp>
+      <p:sp>
+        <p:nvSpPr>
+          <p:cNvPr id="16" name="Text 12"/>
+          <p:cNvSpPr/>
+          <p:nvPr/>
+        </p:nvSpPr>
+        <p:spPr>
+          <a:xfrm>
+            <a:off x="5247084" y="2818405"/>
+            <a:ext cx="3457575" cy="526461"/>
+          </a:xfrm>
+          <a:prstGeom prst="rect">
+            <a:avLst/>
+          </a:prstGeom>
+          <a:noFill/>
+          <a:ln/>
+        </p:spPr>
+        <p:txBody>
+          <a:bodyPr wrap="square" lIns="127508" tIns="127508" rIns="127508" bIns="127508" rtlCol="0" anchor="t">
+            <a:spAutoFit/>
+          </a:bodyPr>
+          <a:lstStyle/>
+          <a:p>
+            <a:pPr marL="0" indent="0" algn="l">
+              <a:lnSpc>
+                <a:spcPts val="1200"/>
+              </a:lnSpc>
+              <a:buNone/>
+            </a:pPr>
+            <a:r>
+              <a:rPr lang="en-US" sz="942" dirty="0">
+                <a:solidFill>
+                  <a:srgbClr val="000000"/>
+                </a:solidFill>
+              </a:rPr>
+              <a:t>Solving complex architectural challenges and automating security processes.</a:t>
+            </a:r>
+            <a:endParaRPr lang="en-US" sz="942" dirty="0"/>
+          </a:p>
+        </p:txBody>
+      </p:sp>
+      <p:sp>
+        <p:nvSpPr>
+          <p:cNvPr id="17" name="Shape 13"/>
+          <p:cNvSpPr/>
+          <p:nvPr/>
+        </p:nvSpPr>
+        <p:spPr>
+          <a:xfrm>
+            <a:off x="3939778" y="3344866"/>
+            <a:ext cx="1307306" cy="530033"/>
+          </a:xfrm>
+          <a:prstGeom prst="rect">
+            <a:avLst/>
+          </a:prstGeom>
+          <a:solidFill>
+            <a:srgbClr val="F0F0F0"/>
+          </a:solidFill>
+          <a:ln/>
+        </p:spPr>
+      </p:sp>
+      <p:sp>
+        <p:nvSpPr>
+          <p:cNvPr id="18" name="Shape 14"/>
+          <p:cNvSpPr/>
+          <p:nvPr/>
+        </p:nvSpPr>
+        <p:spPr>
+          <a:xfrm>
+            <a:off x="5225653" y="3344866"/>
+            <a:ext cx="21431" cy="530033"/>
+          </a:xfrm>
+          <a:prstGeom prst="rect">
+            <a:avLst/>
+          </a:prstGeom>
+          <a:solidFill>
+            <a:srgbClr val="000000"/>
+          </a:solidFill>
+          <a:ln/>
+        </p:spPr>
+      </p:sp>
+      <p:sp>
+        <p:nvSpPr>
+          <p:cNvPr id="19" name="Shape 15"/>
+          <p:cNvSpPr/>
+          <p:nvPr/>
+        </p:nvSpPr>
+        <p:spPr>
+          <a:xfrm>
+            <a:off x="3939778" y="3867755"/>
+            <a:ext cx="1307306" cy="7144"/>
+          </a:xfrm>
+          <a:prstGeom prst="rect">
+            <a:avLst/>
+          </a:prstGeom>
+          <a:solidFill>
+            <a:srgbClr val="CCCCCC"/>
+          </a:solidFill>
+          <a:ln/>
+        </p:spPr>
+      </p:sp>
+      <p:sp>
+        <p:nvSpPr>
+          <p:cNvPr id="20" name="Text 16"/>
+          <p:cNvSpPr/>
+          <p:nvPr/>
+        </p:nvSpPr>
+        <p:spPr>
+          <a:xfrm>
+            <a:off x="3939778" y="3344866"/>
+            <a:ext cx="1307306" cy="530033"/>
+          </a:xfrm>
+          <a:prstGeom prst="rect">
+            <a:avLst/>
+          </a:prstGeom>
+          <a:noFill/>
+          <a:ln/>
+        </p:spPr>
+        <p:txBody>
+          <a:bodyPr wrap="square" lIns="127508" tIns="127508" rIns="127508" bIns="127508" rtlCol="0" anchor="t">
+            <a:spAutoFit/>
+          </a:bodyPr>
+          <a:lstStyle/>
+          <a:p>
+            <a:pPr marL="0" indent="0" algn="l">
+              <a:lnSpc>
+                <a:spcPts val="1200"/>
+              </a:lnSpc>
+              <a:buNone/>
+            </a:pPr>
+            <a:r>
+              <a:rPr lang="en-US" sz="885" b="1" dirty="0">
+                <a:solidFill>
+                  <a:srgbClr val="000000"/>
+                </a:solidFill>
+              </a:rPr>
+              <a:t>Expertise</a:t>
+            </a:r>
+            <a:endParaRPr lang="en-US" sz="885" dirty="0"/>
+          </a:p>
+        </p:txBody>
+      </p:sp>
+      <p:sp>
+        <p:nvSpPr>
+          <p:cNvPr id="21" name="Text 17"/>
+          <p:cNvSpPr/>
+          <p:nvPr/>
+        </p:nvSpPr>
+        <p:spPr>
+          <a:xfrm>
+            <a:off x="5247084" y="3344866"/>
+            <a:ext cx="3457575" cy="530033"/>
+          </a:xfrm>
+          <a:prstGeom prst="rect">
+            <a:avLst/>
+          </a:prstGeom>
+          <a:noFill/>
+          <a:ln/>
+        </p:spPr>
+        <p:txBody>
+          <a:bodyPr wrap="square" lIns="127508" tIns="127508" rIns="127508" bIns="127508" rtlCol="0" anchor="t">
+            <a:spAutoFit/>
+          </a:bodyPr>
+          <a:lstStyle/>
+          <a:p>
+            <a:pPr marL="0" indent="0" algn="l">
+              <a:lnSpc>
+                <a:spcPts val="1200"/>
+              </a:lnSpc>
+              <a:buNone/>
+            </a:pPr>
+            <a:r>
+              <a:rPr lang="en-US" sz="942" dirty="0">
+                <a:solidFill>
+                  <a:srgbClr val="000000"/>
+                </a:solidFill>
+              </a:rPr>
+              <a:t>Mastery of Cloud (AWS), DevSecOps methodologies, and Governance (GRC).</a:t>
+            </a:r>
+            <a:endParaRPr lang="en-US" sz="942" dirty="0"/>
+          </a:p>
+        </p:txBody>
+      </p:sp>
+      <p:sp>
+        <p:nvSpPr>
+          <p:cNvPr id="22" name="Shape 18"/>
+          <p:cNvSpPr/>
+          <p:nvPr/>
+        </p:nvSpPr>
+        <p:spPr>
+          <a:xfrm>
+            <a:off x="3939778" y="3874898"/>
+            <a:ext cx="1307306" cy="530033"/>
+          </a:xfrm>
+          <a:prstGeom prst="rect">
+            <a:avLst/>
+          </a:prstGeom>
+          <a:solidFill>
+            <a:srgbClr val="F0F0F0"/>
+          </a:solidFill>
+          <a:ln/>
+        </p:spPr>
+      </p:sp>
+      <p:sp>
+        <p:nvSpPr>
+          <p:cNvPr id="23" name="Shape 19"/>
+          <p:cNvSpPr/>
+          <p:nvPr/>
+        </p:nvSpPr>
+        <p:spPr>
+          <a:xfrm>
+            <a:off x="5225653" y="3874898"/>
+            <a:ext cx="21431" cy="530033"/>
+          </a:xfrm>
+          <a:prstGeom prst="rect">
+            <a:avLst/>
+          </a:prstGeom>
+          <a:solidFill>
+            <a:srgbClr val="000000"/>
+          </a:solidFill>
+          <a:ln/>
+        </p:spPr>
+      </p:sp>
+      <p:sp>
+        <p:nvSpPr>
+          <p:cNvPr id="24" name="Shape 20"/>
+          <p:cNvSpPr/>
+          <p:nvPr/>
+        </p:nvSpPr>
+        <p:spPr>
+          <a:xfrm>
+            <a:off x="3939778" y="4397787"/>
+            <a:ext cx="1307306" cy="7144"/>
+          </a:xfrm>
+          <a:prstGeom prst="rect">
+            <a:avLst/>
+          </a:prstGeom>
+          <a:solidFill>
+            <a:srgbClr val="CCCCCC"/>
+          </a:solidFill>
+          <a:ln/>
+        </p:spPr>
+      </p:sp>
+      <p:sp>
+        <p:nvSpPr>
+          <p:cNvPr id="25" name="Text 21"/>
+          <p:cNvSpPr/>
+          <p:nvPr/>
+        </p:nvSpPr>
+        <p:spPr>
+          <a:xfrm>
+            <a:off x="3939778" y="3874898"/>
+            <a:ext cx="1307306" cy="530033"/>
+          </a:xfrm>
+          <a:prstGeom prst="rect">
+            <a:avLst/>
+          </a:prstGeom>
+          <a:noFill/>
+          <a:ln/>
+        </p:spPr>
+        <p:txBody>
+          <a:bodyPr wrap="square" lIns="127508" tIns="127508" rIns="127508" bIns="127508" rtlCol="0" anchor="t">
+            <a:spAutoFit/>
+          </a:bodyPr>
+          <a:lstStyle/>
+          <a:p>
+            <a:pPr marL="0" indent="0" algn="l">
+              <a:lnSpc>
+                <a:spcPts val="1200"/>
+              </a:lnSpc>
+              <a:buNone/>
+            </a:pPr>
+            <a:r>
+              <a:rPr lang="en-US" sz="885" b="1" dirty="0">
+                <a:solidFill>
+                  <a:srgbClr val="000000"/>
+                </a:solidFill>
+              </a:rPr>
+              <a:t>World's Need</a:t>
+            </a:r>
+            <a:endParaRPr lang="en-US" sz="885" dirty="0"/>
+          </a:p>
+        </p:txBody>
+      </p:sp>
+      <p:sp>
+        <p:nvSpPr>
+          <p:cNvPr id="26" name="Text 22"/>
+          <p:cNvSpPr/>
+          <p:nvPr/>
+        </p:nvSpPr>
+        <p:spPr>
+          <a:xfrm>
+            <a:off x="5247084" y="3874898"/>
+            <a:ext cx="3457575" cy="530033"/>
+          </a:xfrm>
+          <a:prstGeom prst="rect">
+            <a:avLst/>
+          </a:prstGeom>
+          <a:noFill/>
+          <a:ln/>
+        </p:spPr>
+        <p:txBody>
+          <a:bodyPr wrap="square" lIns="127508" tIns="127508" rIns="127508" bIns="127508" rtlCol="0" anchor="t">
+            <a:spAutoFit/>
+          </a:bodyPr>
+          <a:lstStyle/>
+          <a:p>
+            <a:pPr marL="0" indent="0" algn="l">
+              <a:lnSpc>
+                <a:spcPts val="1200"/>
+              </a:lnSpc>
+              <a:buNone/>
+            </a:pPr>
+            <a:r>
+              <a:rPr lang="en-US" sz="942" dirty="0">
+                <a:solidFill>
+                  <a:srgbClr val="000000"/>
+                </a:solidFill>
+              </a:rPr>
+              <a:t>Resilient digital infrastructures and automated compliance against evolving threats.</a:t>
+            </a:r>
+            <a:endParaRPr lang="en-US" sz="942" dirty="0"/>
+          </a:p>
+        </p:txBody>
+      </p:sp>
+      <p:sp>
+        <p:nvSpPr>
+          <p:cNvPr id="27" name="Shape 23"/>
+          <p:cNvSpPr/>
+          <p:nvPr/>
+        </p:nvSpPr>
+        <p:spPr>
+          <a:xfrm>
+            <a:off x="3939778" y="4404931"/>
+            <a:ext cx="1307306" cy="537177"/>
+          </a:xfrm>
+          <a:prstGeom prst="rect">
+            <a:avLst/>
+          </a:prstGeom>
+          <a:solidFill>
+            <a:srgbClr val="F0F0F0"/>
+          </a:solidFill>
+          <a:ln/>
+        </p:spPr>
+      </p:sp>
+      <p:sp>
+        <p:nvSpPr>
+          <p:cNvPr id="28" name="Shape 24"/>
+          <p:cNvSpPr/>
+          <p:nvPr/>
+        </p:nvSpPr>
+        <p:spPr>
+          <a:xfrm>
+            <a:off x="5225653" y="4404931"/>
+            <a:ext cx="21431" cy="537177"/>
+          </a:xfrm>
+          <a:prstGeom prst="rect">
+            <a:avLst/>
+          </a:prstGeom>
+          <a:solidFill>
+            <a:srgbClr val="000000"/>
+          </a:solidFill>
+          <a:ln/>
+        </p:spPr>
+      </p:sp>
+      <p:sp>
+        <p:nvSpPr>
+          <p:cNvPr id="29" name="Text 25"/>
+          <p:cNvSpPr/>
+          <p:nvPr/>
+        </p:nvSpPr>
+        <p:spPr>
+          <a:xfrm>
+            <a:off x="3939778" y="4404931"/>
+            <a:ext cx="1307306" cy="537177"/>
+          </a:xfrm>
+          <a:prstGeom prst="rect">
+            <a:avLst/>
+          </a:prstGeom>
+          <a:noFill/>
+          <a:ln/>
+        </p:spPr>
+        <p:txBody>
+          <a:bodyPr wrap="square" lIns="127508" tIns="127508" rIns="127508" bIns="127508" rtlCol="0" anchor="t">
+            <a:spAutoFit/>
+          </a:bodyPr>
+          <a:lstStyle/>
+          <a:p>
+            <a:pPr marL="0" indent="0" algn="l">
+              <a:lnSpc>
+                <a:spcPts val="1200"/>
+              </a:lnSpc>
+              <a:buNone/>
+            </a:pPr>
+            <a:r>
+              <a:rPr lang="en-US" sz="885" b="1" dirty="0">
+                <a:solidFill>
+                  <a:srgbClr val="000000"/>
+                </a:solidFill>
+              </a:rPr>
+              <a:t>Vocation</a:t>
+            </a:r>
+            <a:endParaRPr lang="en-US" sz="885" dirty="0"/>
+          </a:p>
+        </p:txBody>
+      </p:sp>
+      <p:sp>
+        <p:nvSpPr>
+          <p:cNvPr id="30" name="Text 26"/>
+          <p:cNvSpPr/>
+          <p:nvPr/>
+        </p:nvSpPr>
+        <p:spPr>
+          <a:xfrm>
+            <a:off x="5236369" y="4404931"/>
+            <a:ext cx="3468291" cy="537177"/>
+          </a:xfrm>
+          <a:prstGeom prst="rect">
+            <a:avLst/>
+          </a:prstGeom>
+          <a:noFill/>
+          <a:ln/>
+        </p:spPr>
+        <p:txBody>
+          <a:bodyPr wrap="square" lIns="127508" tIns="127508" rIns="127508" bIns="127508" rtlCol="0" anchor="t">
+            <a:spAutoFit/>
+          </a:bodyPr>
+          <a:lstStyle/>
+          <a:p>
+            <a:pPr marL="0" indent="0" algn="l">
+              <a:lnSpc>
+                <a:spcPts val="1200"/>
+              </a:lnSpc>
+              <a:buNone/>
+            </a:pPr>
+            <a:r>
+              <a:rPr lang="en-US" sz="942" dirty="0">
+                <a:solidFill>
+                  <a:srgbClr val="000000"/>
+                </a:solidFill>
+              </a:rPr>
+              <a:t>Cloud Security Architect driving high-value, trust-by-design ecosystems.</a:t>
+            </a:r>
+            <a:endParaRPr lang="en-US" sz="942" dirty="0"/>
+          </a:p>
+        </p:txBody>
+      </p:sp>
       <p:pic>
         <p:nvPicPr>
-          <p:cNvPr id="4" name="Image 1" descr="preencoded.png"/>
+          <p:cNvPr id="36" name="Picture 35">
+            <a:extLst>
+              <a:ext uri="{FF2B5EF4-FFF2-40B4-BE49-F238E27FC236}">
+                <a16:creationId xmlns:a16="http://schemas.microsoft.com/office/drawing/2014/main" id="{3549C534-056A-98A1-7EFE-2512C6751594}"/>
+              </a:ext>
+            </a:extLst>
+          </p:cNvPr>
           <p:cNvPicPr>
             <a:picLocks noChangeAspect="1"/>
           </p:cNvPicPr>
@@ -8954,765 +9711,14 @@
         </p:blipFill>
         <p:spPr>
           <a:xfrm>
-            <a:off x="109285" y="1508126"/>
-            <a:ext cx="3721209" cy="3316730"/>
+            <a:off x="102990" y="1490268"/>
+            <a:ext cx="3709195" cy="3709195"/>
           </a:xfrm>
           <a:prstGeom prst="rect">
             <a:avLst/>
           </a:prstGeom>
         </p:spPr>
       </p:pic>
-      <p:sp>
-        <p:nvSpPr>
-          <p:cNvPr id="5" name="Text 1"/>
-          <p:cNvSpPr/>
-          <p:nvPr/>
-        </p:nvSpPr>
-        <p:spPr>
-          <a:xfrm>
-            <a:off x="3929063" y="1441893"/>
-            <a:ext cx="4786313" cy="822871"/>
-          </a:xfrm>
-          <a:prstGeom prst="rect">
-            <a:avLst/>
-          </a:prstGeom>
-          <a:noFill/>
-          <a:ln/>
-        </p:spPr>
-        <p:txBody>
-          <a:bodyPr wrap="square" lIns="0" tIns="0" rIns="0" bIns="0" rtlCol="0" anchor="t">
-            <a:spAutoFit/>
-          </a:bodyPr>
-          <a:lstStyle/>
-          <a:p>
-            <a:pPr marL="0" indent="0" algn="l">
-              <a:lnSpc>
-                <a:spcPts val="1600"/>
-              </a:lnSpc>
-              <a:buNone/>
-            </a:pPr>
-            <a:r>
-              <a:rPr lang="en-US" sz="1193" b="1" dirty="0">
-                <a:solidFill>
-                  <a:srgbClr val="333333"/>
-                </a:solidFill>
-              </a:rPr>
-              <a:t>The IKIGAI framework provides the blueprint for a sustainable and high-impact career, aligning personal drive with the critical needs of the cybersecurity landscape.</a:t>
-            </a:r>
-            <a:endParaRPr lang="en-US" sz="1193" dirty="0"/>
-          </a:p>
-        </p:txBody>
-      </p:sp>
-      <p:sp>
-        <p:nvSpPr>
-          <p:cNvPr id="6" name="Shape 2"/>
-          <p:cNvSpPr/>
-          <p:nvPr/>
-        </p:nvSpPr>
-        <p:spPr>
-          <a:xfrm>
-            <a:off x="3939778" y="2489792"/>
-            <a:ext cx="1307306" cy="328613"/>
-          </a:xfrm>
-          <a:prstGeom prst="rect">
-            <a:avLst/>
-          </a:prstGeom>
-          <a:solidFill>
-            <a:srgbClr val="F0F0F0"/>
-          </a:solidFill>
-          <a:ln/>
-        </p:spPr>
-      </p:sp>
-      <p:sp>
-        <p:nvSpPr>
-          <p:cNvPr id="7" name="Shape 3"/>
-          <p:cNvSpPr/>
-          <p:nvPr/>
-        </p:nvSpPr>
-        <p:spPr>
-          <a:xfrm>
-            <a:off x="5225653" y="2489792"/>
-            <a:ext cx="21431" cy="328613"/>
-          </a:xfrm>
-          <a:prstGeom prst="rect">
-            <a:avLst/>
-          </a:prstGeom>
-          <a:solidFill>
-            <a:srgbClr val="000000"/>
-          </a:solidFill>
-          <a:ln/>
-        </p:spPr>
-      </p:sp>
-      <p:sp>
-        <p:nvSpPr>
-          <p:cNvPr id="8" name="Text 4"/>
-          <p:cNvSpPr/>
-          <p:nvPr/>
-        </p:nvSpPr>
-        <p:spPr>
-          <a:xfrm>
-            <a:off x="3939778" y="2489792"/>
-            <a:ext cx="1307306" cy="328613"/>
-          </a:xfrm>
-          <a:prstGeom prst="rect">
-            <a:avLst/>
-          </a:prstGeom>
-          <a:noFill/>
-          <a:ln/>
-        </p:spPr>
-        <p:txBody>
-          <a:bodyPr wrap="square" lIns="127508" tIns="85090" rIns="127508" bIns="85090" rtlCol="0" anchor="ctr">
-            <a:spAutoFit/>
-          </a:bodyPr>
-          <a:lstStyle/>
-          <a:p>
-            <a:pPr marL="0" indent="0" algn="l">
-              <a:lnSpc>
-                <a:spcPts val="1200"/>
-              </a:lnSpc>
-              <a:buNone/>
-            </a:pPr>
-            <a:r>
-              <a:rPr lang="en-US" sz="885" b="1" dirty="0">
-                <a:solidFill>
-                  <a:srgbClr val="000000"/>
-                </a:solidFill>
-              </a:rPr>
-              <a:t>Dimension</a:t>
-            </a:r>
-            <a:endParaRPr lang="en-US" sz="885" dirty="0"/>
-          </a:p>
-        </p:txBody>
-      </p:sp>
-      <p:sp>
-        <p:nvSpPr>
-          <p:cNvPr id="9" name="Shape 5"/>
-          <p:cNvSpPr/>
-          <p:nvPr/>
-        </p:nvSpPr>
-        <p:spPr>
-          <a:xfrm>
-            <a:off x="5247084" y="2489792"/>
-            <a:ext cx="3457575" cy="328613"/>
-          </a:xfrm>
-          <a:prstGeom prst="rect">
-            <a:avLst/>
-          </a:prstGeom>
-          <a:solidFill>
-            <a:srgbClr val="00CCFF"/>
-          </a:solidFill>
-          <a:ln/>
-        </p:spPr>
-      </p:sp>
-      <p:sp>
-        <p:nvSpPr>
-          <p:cNvPr id="10" name="Shape 6"/>
-          <p:cNvSpPr/>
-          <p:nvPr/>
-        </p:nvSpPr>
-        <p:spPr>
-          <a:xfrm>
-            <a:off x="8683228" y="2489792"/>
-            <a:ext cx="21431" cy="328613"/>
-          </a:xfrm>
-          <a:prstGeom prst="rect">
-            <a:avLst/>
-          </a:prstGeom>
-          <a:solidFill>
-            <a:srgbClr val="000000"/>
-          </a:solidFill>
-          <a:ln/>
-        </p:spPr>
-      </p:sp>
-      <p:sp>
-        <p:nvSpPr>
-          <p:cNvPr id="11" name="Text 7"/>
-          <p:cNvSpPr/>
-          <p:nvPr/>
-        </p:nvSpPr>
-        <p:spPr>
-          <a:xfrm>
-            <a:off x="5247084" y="2489792"/>
-            <a:ext cx="3457575" cy="328613"/>
-          </a:xfrm>
-          <a:prstGeom prst="rect">
-            <a:avLst/>
-          </a:prstGeom>
-          <a:noFill/>
-          <a:ln/>
-        </p:spPr>
-        <p:txBody>
-          <a:bodyPr wrap="square" lIns="127508" tIns="85090" rIns="127508" bIns="85090" rtlCol="0" anchor="ctr">
-            <a:spAutoFit/>
-          </a:bodyPr>
-          <a:lstStyle/>
-          <a:p>
-            <a:pPr marL="0" indent="0" algn="l">
-              <a:lnSpc>
-                <a:spcPts val="1200"/>
-              </a:lnSpc>
-              <a:buNone/>
-            </a:pPr>
-            <a:r>
-              <a:rPr lang="en-US" sz="885" b="1" dirty="0">
-                <a:solidFill>
-                  <a:srgbClr val="000000"/>
-                </a:solidFill>
-              </a:rPr>
-              <a:t>Professional Alignment</a:t>
-            </a:r>
-            <a:endParaRPr lang="en-US" sz="885" dirty="0"/>
-          </a:p>
-        </p:txBody>
-      </p:sp>
-      <p:sp>
-        <p:nvSpPr>
-          <p:cNvPr id="12" name="Shape 8"/>
-          <p:cNvSpPr/>
-          <p:nvPr/>
-        </p:nvSpPr>
-        <p:spPr>
-          <a:xfrm>
-            <a:off x="3939778" y="2818405"/>
-            <a:ext cx="1307306" cy="526461"/>
-          </a:xfrm>
-          <a:prstGeom prst="rect">
-            <a:avLst/>
-          </a:prstGeom>
-          <a:solidFill>
-            <a:srgbClr val="F0F0F0"/>
-          </a:solidFill>
-          <a:ln/>
-        </p:spPr>
-      </p:sp>
-      <p:sp>
-        <p:nvSpPr>
-          <p:cNvPr id="13" name="Shape 9"/>
-          <p:cNvSpPr/>
-          <p:nvPr/>
-        </p:nvSpPr>
-        <p:spPr>
-          <a:xfrm>
-            <a:off x="5225653" y="2818405"/>
-            <a:ext cx="21431" cy="526461"/>
-          </a:xfrm>
-          <a:prstGeom prst="rect">
-            <a:avLst/>
-          </a:prstGeom>
-          <a:solidFill>
-            <a:srgbClr val="000000"/>
-          </a:solidFill>
-          <a:ln/>
-        </p:spPr>
-      </p:sp>
-      <p:sp>
-        <p:nvSpPr>
-          <p:cNvPr id="14" name="Shape 10"/>
-          <p:cNvSpPr/>
-          <p:nvPr/>
-        </p:nvSpPr>
-        <p:spPr>
-          <a:xfrm>
-            <a:off x="3939778" y="3337722"/>
-            <a:ext cx="1307306" cy="7144"/>
-          </a:xfrm>
-          <a:prstGeom prst="rect">
-            <a:avLst/>
-          </a:prstGeom>
-          <a:solidFill>
-            <a:srgbClr val="CCCCCC"/>
-          </a:solidFill>
-          <a:ln/>
-        </p:spPr>
-      </p:sp>
-      <p:sp>
-        <p:nvSpPr>
-          <p:cNvPr id="15" name="Text 11"/>
-          <p:cNvSpPr/>
-          <p:nvPr/>
-        </p:nvSpPr>
-        <p:spPr>
-          <a:xfrm>
-            <a:off x="3939778" y="2818405"/>
-            <a:ext cx="1307306" cy="526461"/>
-          </a:xfrm>
-          <a:prstGeom prst="rect">
-            <a:avLst/>
-          </a:prstGeom>
-          <a:noFill/>
-          <a:ln/>
-        </p:spPr>
-        <p:txBody>
-          <a:bodyPr wrap="square" lIns="127508" tIns="127508" rIns="127508" bIns="127508" rtlCol="0" anchor="t">
-            <a:spAutoFit/>
-          </a:bodyPr>
-          <a:lstStyle/>
-          <a:p>
-            <a:pPr marL="0" indent="0" algn="l">
-              <a:lnSpc>
-                <a:spcPts val="1200"/>
-              </a:lnSpc>
-              <a:buNone/>
-            </a:pPr>
-            <a:r>
-              <a:rPr lang="en-US" sz="885" b="1" dirty="0">
-                <a:solidFill>
-                  <a:srgbClr val="000000"/>
-                </a:solidFill>
-              </a:rPr>
-              <a:t>Passion</a:t>
-            </a:r>
-            <a:endParaRPr lang="en-US" sz="885" dirty="0"/>
-          </a:p>
-        </p:txBody>
-      </p:sp>
-      <p:sp>
-        <p:nvSpPr>
-          <p:cNvPr id="16" name="Text 12"/>
-          <p:cNvSpPr/>
-          <p:nvPr/>
-        </p:nvSpPr>
-        <p:spPr>
-          <a:xfrm>
-            <a:off x="5247084" y="2818405"/>
-            <a:ext cx="3457575" cy="526461"/>
-          </a:xfrm>
-          <a:prstGeom prst="rect">
-            <a:avLst/>
-          </a:prstGeom>
-          <a:noFill/>
-          <a:ln/>
-        </p:spPr>
-        <p:txBody>
-          <a:bodyPr wrap="square" lIns="127508" tIns="127508" rIns="127508" bIns="127508" rtlCol="0" anchor="t">
-            <a:spAutoFit/>
-          </a:bodyPr>
-          <a:lstStyle/>
-          <a:p>
-            <a:pPr marL="0" indent="0" algn="l">
-              <a:lnSpc>
-                <a:spcPts val="1200"/>
-              </a:lnSpc>
-              <a:buNone/>
-            </a:pPr>
-            <a:r>
-              <a:rPr lang="en-US" sz="942" dirty="0">
-                <a:solidFill>
-                  <a:srgbClr val="000000"/>
-                </a:solidFill>
-              </a:rPr>
-              <a:t>Solving complex architectural challenges and automating security processes.</a:t>
-            </a:r>
-            <a:endParaRPr lang="en-US" sz="942" dirty="0"/>
-          </a:p>
-        </p:txBody>
-      </p:sp>
-      <p:sp>
-        <p:nvSpPr>
-          <p:cNvPr id="17" name="Shape 13"/>
-          <p:cNvSpPr/>
-          <p:nvPr/>
-        </p:nvSpPr>
-        <p:spPr>
-          <a:xfrm>
-            <a:off x="3939778" y="3344866"/>
-            <a:ext cx="1307306" cy="530033"/>
-          </a:xfrm>
-          <a:prstGeom prst="rect">
-            <a:avLst/>
-          </a:prstGeom>
-          <a:solidFill>
-            <a:srgbClr val="F0F0F0"/>
-          </a:solidFill>
-          <a:ln/>
-        </p:spPr>
-      </p:sp>
-      <p:sp>
-        <p:nvSpPr>
-          <p:cNvPr id="18" name="Shape 14"/>
-          <p:cNvSpPr/>
-          <p:nvPr/>
-        </p:nvSpPr>
-        <p:spPr>
-          <a:xfrm>
-            <a:off x="5225653" y="3344866"/>
-            <a:ext cx="21431" cy="530033"/>
-          </a:xfrm>
-          <a:prstGeom prst="rect">
-            <a:avLst/>
-          </a:prstGeom>
-          <a:solidFill>
-            <a:srgbClr val="000000"/>
-          </a:solidFill>
-          <a:ln/>
-        </p:spPr>
-      </p:sp>
-      <p:sp>
-        <p:nvSpPr>
-          <p:cNvPr id="19" name="Shape 15"/>
-          <p:cNvSpPr/>
-          <p:nvPr/>
-        </p:nvSpPr>
-        <p:spPr>
-          <a:xfrm>
-            <a:off x="3939778" y="3867755"/>
-            <a:ext cx="1307306" cy="7144"/>
-          </a:xfrm>
-          <a:prstGeom prst="rect">
-            <a:avLst/>
-          </a:prstGeom>
-          <a:solidFill>
-            <a:srgbClr val="CCCCCC"/>
-          </a:solidFill>
-          <a:ln/>
-        </p:spPr>
-      </p:sp>
-      <p:sp>
-        <p:nvSpPr>
-          <p:cNvPr id="20" name="Text 16"/>
-          <p:cNvSpPr/>
-          <p:nvPr/>
-        </p:nvSpPr>
-        <p:spPr>
-          <a:xfrm>
-            <a:off x="3939778" y="3344866"/>
-            <a:ext cx="1307306" cy="530033"/>
-          </a:xfrm>
-          <a:prstGeom prst="rect">
-            <a:avLst/>
-          </a:prstGeom>
-          <a:noFill/>
-          <a:ln/>
-        </p:spPr>
-        <p:txBody>
-          <a:bodyPr wrap="square" lIns="127508" tIns="127508" rIns="127508" bIns="127508" rtlCol="0" anchor="t">
-            <a:spAutoFit/>
-          </a:bodyPr>
-          <a:lstStyle/>
-          <a:p>
-            <a:pPr marL="0" indent="0" algn="l">
-              <a:lnSpc>
-                <a:spcPts val="1200"/>
-              </a:lnSpc>
-              <a:buNone/>
-            </a:pPr>
-            <a:r>
-              <a:rPr lang="en-US" sz="885" b="1" dirty="0">
-                <a:solidFill>
-                  <a:srgbClr val="000000"/>
-                </a:solidFill>
-              </a:rPr>
-              <a:t>Expertise</a:t>
-            </a:r>
-            <a:endParaRPr lang="en-US" sz="885" dirty="0"/>
-          </a:p>
-        </p:txBody>
-      </p:sp>
-      <p:sp>
-        <p:nvSpPr>
-          <p:cNvPr id="21" name="Text 17"/>
-          <p:cNvSpPr/>
-          <p:nvPr/>
-        </p:nvSpPr>
-        <p:spPr>
-          <a:xfrm>
-            <a:off x="5247084" y="3344866"/>
-            <a:ext cx="3457575" cy="530033"/>
-          </a:xfrm>
-          <a:prstGeom prst="rect">
-            <a:avLst/>
-          </a:prstGeom>
-          <a:noFill/>
-          <a:ln/>
-        </p:spPr>
-        <p:txBody>
-          <a:bodyPr wrap="square" lIns="127508" tIns="127508" rIns="127508" bIns="127508" rtlCol="0" anchor="t">
-            <a:spAutoFit/>
-          </a:bodyPr>
-          <a:lstStyle/>
-          <a:p>
-            <a:pPr marL="0" indent="0" algn="l">
-              <a:lnSpc>
-                <a:spcPts val="1200"/>
-              </a:lnSpc>
-              <a:buNone/>
-            </a:pPr>
-            <a:r>
-              <a:rPr lang="en-US" sz="942" dirty="0">
-                <a:solidFill>
-                  <a:srgbClr val="000000"/>
-                </a:solidFill>
-              </a:rPr>
-              <a:t>Mastery of Cloud (AWS), DevSecOps methodologies, and Governance (GRC).</a:t>
-            </a:r>
-            <a:endParaRPr lang="en-US" sz="942" dirty="0"/>
-          </a:p>
-        </p:txBody>
-      </p:sp>
-      <p:sp>
-        <p:nvSpPr>
-          <p:cNvPr id="22" name="Shape 18"/>
-          <p:cNvSpPr/>
-          <p:nvPr/>
-        </p:nvSpPr>
-        <p:spPr>
-          <a:xfrm>
-            <a:off x="3939778" y="3874898"/>
-            <a:ext cx="1307306" cy="530033"/>
-          </a:xfrm>
-          <a:prstGeom prst="rect">
-            <a:avLst/>
-          </a:prstGeom>
-          <a:solidFill>
-            <a:srgbClr val="F0F0F0"/>
-          </a:solidFill>
-          <a:ln/>
-        </p:spPr>
-      </p:sp>
-      <p:sp>
-        <p:nvSpPr>
-          <p:cNvPr id="23" name="Shape 19"/>
-          <p:cNvSpPr/>
-          <p:nvPr/>
-        </p:nvSpPr>
-        <p:spPr>
-          <a:xfrm>
-            <a:off x="5225653" y="3874898"/>
-            <a:ext cx="21431" cy="530033"/>
-          </a:xfrm>
-          <a:prstGeom prst="rect">
-            <a:avLst/>
-          </a:prstGeom>
-          <a:solidFill>
-            <a:srgbClr val="000000"/>
-          </a:solidFill>
-          <a:ln/>
-        </p:spPr>
-      </p:sp>
-      <p:sp>
-        <p:nvSpPr>
-          <p:cNvPr id="24" name="Shape 20"/>
-          <p:cNvSpPr/>
-          <p:nvPr/>
-        </p:nvSpPr>
-        <p:spPr>
-          <a:xfrm>
-            <a:off x="3939778" y="4397787"/>
-            <a:ext cx="1307306" cy="7144"/>
-          </a:xfrm>
-          <a:prstGeom prst="rect">
-            <a:avLst/>
-          </a:prstGeom>
-          <a:solidFill>
-            <a:srgbClr val="CCCCCC"/>
-          </a:solidFill>
-          <a:ln/>
-        </p:spPr>
-      </p:sp>
-      <p:sp>
-        <p:nvSpPr>
-          <p:cNvPr id="25" name="Text 21"/>
-          <p:cNvSpPr/>
-          <p:nvPr/>
-        </p:nvSpPr>
-        <p:spPr>
-          <a:xfrm>
-            <a:off x="3939778" y="3874898"/>
-            <a:ext cx="1307306" cy="530033"/>
-          </a:xfrm>
-          <a:prstGeom prst="rect">
-            <a:avLst/>
-          </a:prstGeom>
-          <a:noFill/>
-          <a:ln/>
-        </p:spPr>
-        <p:txBody>
-          <a:bodyPr wrap="square" lIns="127508" tIns="127508" rIns="127508" bIns="127508" rtlCol="0" anchor="t">
-            <a:spAutoFit/>
-          </a:bodyPr>
-          <a:lstStyle/>
-          <a:p>
-            <a:pPr marL="0" indent="0" algn="l">
-              <a:lnSpc>
-                <a:spcPts val="1200"/>
-              </a:lnSpc>
-              <a:buNone/>
-            </a:pPr>
-            <a:r>
-              <a:rPr lang="en-US" sz="885" b="1" dirty="0">
-                <a:solidFill>
-                  <a:srgbClr val="000000"/>
-                </a:solidFill>
-              </a:rPr>
-              <a:t>World's Need</a:t>
-            </a:r>
-            <a:endParaRPr lang="en-US" sz="885" dirty="0"/>
-          </a:p>
-        </p:txBody>
-      </p:sp>
-      <p:sp>
-        <p:nvSpPr>
-          <p:cNvPr id="26" name="Text 22"/>
-          <p:cNvSpPr/>
-          <p:nvPr/>
-        </p:nvSpPr>
-        <p:spPr>
-          <a:xfrm>
-            <a:off x="5247084" y="3874898"/>
-            <a:ext cx="3457575" cy="530033"/>
-          </a:xfrm>
-          <a:prstGeom prst="rect">
-            <a:avLst/>
-          </a:prstGeom>
-          <a:noFill/>
-          <a:ln/>
-        </p:spPr>
-        <p:txBody>
-          <a:bodyPr wrap="square" lIns="127508" tIns="127508" rIns="127508" bIns="127508" rtlCol="0" anchor="t">
-            <a:spAutoFit/>
-          </a:bodyPr>
-          <a:lstStyle/>
-          <a:p>
-            <a:pPr marL="0" indent="0" algn="l">
-              <a:lnSpc>
-                <a:spcPts val="1200"/>
-              </a:lnSpc>
-              <a:buNone/>
-            </a:pPr>
-            <a:r>
-              <a:rPr lang="en-US" sz="942" dirty="0">
-                <a:solidFill>
-                  <a:srgbClr val="000000"/>
-                </a:solidFill>
-              </a:rPr>
-              <a:t>Resilient digital infrastructures and automated compliance against evolving threats.</a:t>
-            </a:r>
-            <a:endParaRPr lang="en-US" sz="942" dirty="0"/>
-          </a:p>
-        </p:txBody>
-      </p:sp>
-      <p:sp>
-        <p:nvSpPr>
-          <p:cNvPr id="27" name="Shape 23"/>
-          <p:cNvSpPr/>
-          <p:nvPr/>
-        </p:nvSpPr>
-        <p:spPr>
-          <a:xfrm>
-            <a:off x="3939778" y="4404931"/>
-            <a:ext cx="1307306" cy="537177"/>
-          </a:xfrm>
-          <a:prstGeom prst="rect">
-            <a:avLst/>
-          </a:prstGeom>
-          <a:solidFill>
-            <a:srgbClr val="F0F0F0"/>
-          </a:solidFill>
-          <a:ln/>
-        </p:spPr>
-      </p:sp>
-      <p:sp>
-        <p:nvSpPr>
-          <p:cNvPr id="28" name="Shape 24"/>
-          <p:cNvSpPr/>
-          <p:nvPr/>
-        </p:nvSpPr>
-        <p:spPr>
-          <a:xfrm>
-            <a:off x="5225653" y="4404931"/>
-            <a:ext cx="21431" cy="537177"/>
-          </a:xfrm>
-          <a:prstGeom prst="rect">
-            <a:avLst/>
-          </a:prstGeom>
-          <a:solidFill>
-            <a:srgbClr val="000000"/>
-          </a:solidFill>
-          <a:ln/>
-        </p:spPr>
-      </p:sp>
-      <p:sp>
-        <p:nvSpPr>
-          <p:cNvPr id="29" name="Text 25"/>
-          <p:cNvSpPr/>
-          <p:nvPr/>
-        </p:nvSpPr>
-        <p:spPr>
-          <a:xfrm>
-            <a:off x="3939778" y="4404931"/>
-            <a:ext cx="1307306" cy="537177"/>
-          </a:xfrm>
-          <a:prstGeom prst="rect">
-            <a:avLst/>
-          </a:prstGeom>
-          <a:noFill/>
-          <a:ln/>
-        </p:spPr>
-        <p:txBody>
-          <a:bodyPr wrap="square" lIns="127508" tIns="127508" rIns="127508" bIns="127508" rtlCol="0" anchor="t">
-            <a:spAutoFit/>
-          </a:bodyPr>
-          <a:lstStyle/>
-          <a:p>
-            <a:pPr marL="0" indent="0" algn="l">
-              <a:lnSpc>
-                <a:spcPts val="1200"/>
-              </a:lnSpc>
-              <a:buNone/>
-            </a:pPr>
-            <a:r>
-              <a:rPr lang="en-US" sz="885" b="1" dirty="0">
-                <a:solidFill>
-                  <a:srgbClr val="000000"/>
-                </a:solidFill>
-              </a:rPr>
-              <a:t>Vocation</a:t>
-            </a:r>
-            <a:endParaRPr lang="en-US" sz="885" dirty="0"/>
-          </a:p>
-        </p:txBody>
-      </p:sp>
-      <p:sp>
-        <p:nvSpPr>
-          <p:cNvPr id="30" name="Text 26"/>
-          <p:cNvSpPr/>
-          <p:nvPr/>
-        </p:nvSpPr>
-        <p:spPr>
-          <a:xfrm>
-            <a:off x="5236369" y="4404931"/>
-            <a:ext cx="3468291" cy="537177"/>
-          </a:xfrm>
-          <a:prstGeom prst="rect">
-            <a:avLst/>
-          </a:prstGeom>
-          <a:noFill/>
-          <a:ln/>
-        </p:spPr>
-        <p:txBody>
-          <a:bodyPr wrap="square" lIns="127508" tIns="127508" rIns="127508" bIns="127508" rtlCol="0" anchor="t">
-            <a:spAutoFit/>
-          </a:bodyPr>
-          <a:lstStyle/>
-          <a:p>
-            <a:pPr marL="0" indent="0" algn="l">
-              <a:lnSpc>
-                <a:spcPts val="1200"/>
-              </a:lnSpc>
-              <a:buNone/>
-            </a:pPr>
-            <a:r>
-              <a:rPr lang="en-US" sz="942" dirty="0">
-                <a:solidFill>
-                  <a:srgbClr val="000000"/>
-                </a:solidFill>
-              </a:rPr>
-              <a:t>Cloud Security Architect driving high-value, trust-by-design ecosystems.</a:t>
-            </a:r>
-            <a:endParaRPr lang="en-US" sz="942" dirty="0"/>
-          </a:p>
-        </p:txBody>
-      </p:sp>
     </p:spTree>
   </p:cSld>
   <p:clrMapOvr>
@@ -10016,8 +10022,8 @@
         </p:nvSpPr>
         <p:spPr>
           <a:xfrm>
-            <a:off x="607219" y="4413303"/>
-            <a:ext cx="3879056" cy="360034"/>
+            <a:off x="582216" y="4344860"/>
+            <a:ext cx="3879056" cy="520527"/>
           </a:xfrm>
           <a:prstGeom prst="rect">
             <a:avLst/>
@@ -10031,11 +10037,10 @@
           </a:bodyPr>
           <a:lstStyle/>
           <a:p>
-            <a:pPr marL="0" indent="0" algn="l">
+            <a:pPr>
               <a:lnSpc>
                 <a:spcPts val="1400"/>
               </a:lnSpc>
-              <a:buNone/>
             </a:pPr>
             <a:r>
               <a:rPr lang="en-US" sz="942" dirty="0">
@@ -10043,7 +10048,7 @@
                   <a:srgbClr val="333333"/>
                 </a:solidFill>
               </a:rPr>
-              <a:t>Real-world application of skills during the OCP SAFI internship, refining my professional vision against industrial reality.</a:t>
+              <a:t>Real-world application of skills during the OCP SAFI internship, refining my professional vision against industrial reality, applied GRC in large-scale industrial environment, implemented KRIs, .</a:t>
             </a:r>
             <a:endParaRPr lang="en-US" sz="942" dirty="0"/>
           </a:p>
@@ -10082,8 +10087,8 @@
         </p:nvSpPr>
         <p:spPr>
           <a:xfrm rot="120000">
-            <a:off x="4914900" y="1527618"/>
-            <a:ext cx="3543299" cy="1334430"/>
+            <a:off x="4914900" y="1664912"/>
+            <a:ext cx="3543299" cy="1059842"/>
           </a:xfrm>
           <a:prstGeom prst="rect">
             <a:avLst/>
@@ -10117,7 +10122,13 @@
       </p:sp>
       <p:pic>
         <p:nvPicPr>
-          <p:cNvPr id="12" name="Image 1" descr="preencoded.png"/>
+          <p:cNvPr id="22" name="Picture 21">
+            <a:extLst>
+              <a:ext uri="{FF2B5EF4-FFF2-40B4-BE49-F238E27FC236}">
+                <a16:creationId xmlns:a16="http://schemas.microsoft.com/office/drawing/2014/main" id="{B69F41C4-955A-9BA4-25B7-993FDA7DD45F}"/>
+              </a:ext>
+            </a:extLst>
+          </p:cNvPr>
           <p:cNvPicPr>
             <a:picLocks noChangeAspect="1"/>
           </p:cNvPicPr>
@@ -10131,8 +10142,8 @@
         </p:blipFill>
         <p:spPr>
           <a:xfrm>
-            <a:off x="5043488" y="2962061"/>
-            <a:ext cx="3286125" cy="1643063"/>
+            <a:off x="4624640" y="2676524"/>
+            <a:ext cx="3951131" cy="2636613"/>
           </a:xfrm>
           <a:prstGeom prst="rect">
             <a:avLst/>
